--- a/oficinas/oficina1capitulo3.pptx
+++ b/oficinas/oficina1capitulo3.pptx
@@ -15,6 +15,8 @@
     <p:sldId id="394" r:id="rId10"/>
     <p:sldId id="395" r:id="rId11"/>
     <p:sldId id="396" r:id="rId12"/>
+    <p:sldId id="398" r:id="rId13"/>
+    <p:sldId id="399" r:id="rId14"/>
   </p:sldIdLst>
   <p:sldSz cx="9144000" cy="6858000" type="screen4x3"/>
   <p:notesSz cx="6858000" cy="9144000"/>
@@ -3895,6 +3897,458 @@
 </p:sld>
 </file>
 
+<file path=ppt/slides/slide11.xml><?xml version="1.0" encoding="utf-8"?>
+<p:sld xmlns:a="http://schemas.openxmlformats.org/drawingml/2006/main" xmlns:r="http://schemas.openxmlformats.org/officeDocument/2006/relationships" xmlns:p="http://schemas.openxmlformats.org/presentationml/2006/main">
+  <p:cSld>
+    <p:spTree>
+      <p:nvGrpSpPr>
+        <p:cNvPr id="1" name=""/>
+        <p:cNvGrpSpPr/>
+        <p:nvPr/>
+      </p:nvGrpSpPr>
+      <p:grpSpPr/>
+      <p:sp>
+        <p:nvSpPr>
+          <p:cNvPr id="2" name="Title 1"/>
+          <p:cNvSpPr>
+            <a:spLocks noGrp="1"/>
+          </p:cNvSpPr>
+          <p:nvPr>
+            <p:ph type="title"/>
+          </p:nvPr>
+        </p:nvSpPr>
+        <p:spPr/>
+        <p:txBody>
+          <a:bodyPr/>
+          <a:p>
+            <a:r>
+              <a:rPr lang="x-none" altLang="pt-BR"/>
+              <a:t>Arquivos e Diretórios</a:t>
+            </a:r>
+            <a:endParaRPr lang="x-none" altLang="pt-BR"/>
+          </a:p>
+        </p:txBody>
+      </p:sp>
+      <p:sp>
+        <p:nvSpPr>
+          <p:cNvPr id="3" name="Content Placeholder 2"/>
+          <p:cNvSpPr>
+            <a:spLocks noGrp="1"/>
+          </p:cNvSpPr>
+          <p:nvPr>
+            <p:ph idx="1"/>
+          </p:nvPr>
+        </p:nvSpPr>
+        <p:spPr/>
+        <p:txBody>
+          <a:bodyPr>
+            <a:normAutofit fontScale="90000" lnSpcReduction="10000"/>
+          </a:bodyPr>
+          <a:p>
+            <a:r>
+              <a:rPr lang="x-none" altLang="pt-BR">
+                <a:solidFill>
+                  <a:srgbClr val="00B0F0"/>
+                </a:solidFill>
+                <a:latin typeface="DejaVu Sans Mono" charset="0"/>
+              </a:rPr>
+              <a:t>wget &lt;arquivo&gt;</a:t>
+            </a:r>
+            <a:r>
+              <a:rPr lang="x-none" altLang="pt-BR"/>
+              <a:t> - baixa arquivo da Internet</a:t>
+            </a:r>
+            <a:endParaRPr lang="x-none" altLang="pt-BR"/>
+          </a:p>
+          <a:p>
+            <a:r>
+              <a:rPr lang="x-none" altLang="pt-BR">
+                <a:solidFill>
+                  <a:srgbClr val="00B0F0"/>
+                </a:solidFill>
+                <a:latin typeface="DejaVu Sans Mono" charset="0"/>
+              </a:rPr>
+              <a:t>unzip &lt;arquivo.zip&gt;</a:t>
+            </a:r>
+            <a:r>
+              <a:rPr lang="x-none" altLang="pt-BR"/>
+              <a:t> - descompacta</a:t>
+            </a:r>
+            <a:endParaRPr lang="x-none" altLang="pt-BR"/>
+          </a:p>
+          <a:p>
+            <a:r>
+              <a:rPr lang="x-none" altLang="pt-BR">
+                <a:solidFill>
+                  <a:srgbClr val="00B0F0"/>
+                </a:solidFill>
+                <a:latin typeface="DejaVu Sans Mono" charset="0"/>
+              </a:rPr>
+              <a:t>zip -r &lt;arquivo.zip&gt; &lt;arqs e dirs&gt;</a:t>
+            </a:r>
+            <a:r>
+              <a:rPr lang="x-none" altLang="pt-BR"/>
+              <a:t> - cria arquivo .zip</a:t>
+            </a:r>
+            <a:endParaRPr lang="x-none" altLang="pt-BR"/>
+          </a:p>
+          <a:p>
+            <a:r>
+              <a:rPr lang="x-none" altLang="pt-BR">
+                <a:solidFill>
+                  <a:srgbClr val="00B0F0"/>
+                </a:solidFill>
+                <a:latin typeface="DejaVu Sans Mono" charset="0"/>
+              </a:rPr>
+              <a:t>gzip &lt;arquivo&gt;</a:t>
+            </a:r>
+            <a:r>
+              <a:rPr lang="x-none" altLang="pt-BR"/>
+              <a:t> - compacta arquivo .gz</a:t>
+            </a:r>
+            <a:endParaRPr lang="x-none" altLang="pt-BR"/>
+          </a:p>
+          <a:p>
+            <a:r>
+              <a:rPr lang="x-none" altLang="pt-BR">
+                <a:solidFill>
+                  <a:srgbClr val="00B0F0"/>
+                </a:solidFill>
+                <a:latin typeface="DejaVu Sans Mono" charset="0"/>
+              </a:rPr>
+              <a:t>gunzip &lt;arquivo.gz&gt;</a:t>
+            </a:r>
+            <a:endParaRPr lang="x-none" altLang="pt-BR">
+              <a:solidFill>
+                <a:srgbClr val="00B0F0"/>
+              </a:solidFill>
+              <a:latin typeface="DejaVu Sans Mono" charset="0"/>
+            </a:endParaRPr>
+          </a:p>
+          <a:p>
+            <a:r>
+              <a:rPr lang="x-none" altLang="pt-BR">
+                <a:solidFill>
+                  <a:srgbClr val="00B0F0"/>
+                </a:solidFill>
+                <a:latin typeface="DejaVu Sans Mono" charset="0"/>
+              </a:rPr>
+              <a:t>bzip2 &lt;arquivo&gt;</a:t>
+            </a:r>
+            <a:r>
+              <a:rPr lang="x-none" altLang="pt-BR"/>
+              <a:t> - compacta arquivo .bz2</a:t>
+            </a:r>
+            <a:endParaRPr lang="x-none" altLang="pt-BR"/>
+          </a:p>
+          <a:p>
+            <a:r>
+              <a:rPr lang="x-none" altLang="pt-BR">
+                <a:solidFill>
+                  <a:srgbClr val="00B0F0"/>
+                </a:solidFill>
+                <a:latin typeface="DejaVu Sans Mono" charset="0"/>
+              </a:rPr>
+              <a:t>bunzip2 &lt;arquivo.bz2&gt;</a:t>
+            </a:r>
+            <a:endParaRPr lang="x-none" altLang="pt-BR">
+              <a:solidFill>
+                <a:srgbClr val="00B0F0"/>
+              </a:solidFill>
+              <a:latin typeface="DejaVu Sans Mono" charset="0"/>
+            </a:endParaRPr>
+          </a:p>
+        </p:txBody>
+      </p:sp>
+    </p:spTree>
+  </p:cSld>
+  <p:clrMapOvr>
+    <a:masterClrMapping/>
+  </p:clrMapOvr>
+</p:sld>
+</file>
+
+<file path=ppt/slides/slide12.xml><?xml version="1.0" encoding="utf-8"?>
+<p:sld xmlns:a="http://schemas.openxmlformats.org/drawingml/2006/main" xmlns:r="http://schemas.openxmlformats.org/officeDocument/2006/relationships" xmlns:p="http://schemas.openxmlformats.org/presentationml/2006/main">
+  <p:cSld>
+    <p:spTree>
+      <p:nvGrpSpPr>
+        <p:cNvPr id="1" name=""/>
+        <p:cNvGrpSpPr/>
+        <p:nvPr/>
+      </p:nvGrpSpPr>
+      <p:grpSpPr/>
+      <p:sp>
+        <p:nvSpPr>
+          <p:cNvPr id="2" name="Title 1"/>
+          <p:cNvSpPr>
+            <a:spLocks noGrp="1"/>
+          </p:cNvSpPr>
+          <p:nvPr>
+            <p:ph type="title"/>
+          </p:nvPr>
+        </p:nvSpPr>
+        <p:spPr/>
+        <p:txBody>
+          <a:bodyPr/>
+          <a:p>
+            <a:r>
+              <a:rPr lang="x-none" altLang="pt-BR"/>
+              <a:t>Arquivos e Diretórios</a:t>
+            </a:r>
+            <a:endParaRPr lang="x-none" altLang="pt-BR"/>
+          </a:p>
+        </p:txBody>
+      </p:sp>
+      <p:sp>
+        <p:nvSpPr>
+          <p:cNvPr id="3" name="Content Placeholder 2"/>
+          <p:cNvSpPr>
+            <a:spLocks noGrp="1"/>
+          </p:cNvSpPr>
+          <p:nvPr>
+            <p:ph idx="1"/>
+          </p:nvPr>
+        </p:nvSpPr>
+        <p:spPr/>
+        <p:txBody>
+          <a:bodyPr>
+            <a:normAutofit lnSpcReduction="20000"/>
+          </a:bodyPr>
+          <a:p>
+            <a:r>
+              <a:rPr lang="x-none" altLang="pt-BR" sz="2400">
+                <a:solidFill>
+                  <a:srgbClr val="00B0F0"/>
+                </a:solidFill>
+                <a:latin typeface="DejaVu Sans Mono" charset="0"/>
+                <a:sym typeface="+mn-ea"/>
+              </a:rPr>
+              <a:t>tar -cvf &lt;arquivo.tar&gt; &lt;arqs e dirs&gt;</a:t>
+            </a:r>
+            <a:endParaRPr lang="x-none" altLang="pt-BR" sz="2400">
+              <a:solidFill>
+                <a:srgbClr val="00B0F0"/>
+              </a:solidFill>
+              <a:latin typeface="DejaVu Sans Mono" charset="0"/>
+              <a:sym typeface="+mn-ea"/>
+            </a:endParaRPr>
+          </a:p>
+          <a:p>
+            <a:pPr lvl="1"/>
+            <a:r>
+              <a:rPr lang="x-none" altLang="pt-BR" sz="2080">
+                <a:solidFill>
+                  <a:schemeClr val="tx1"/>
+                </a:solidFill>
+                <a:latin typeface="+mn-ea"/>
+                <a:sym typeface="+mn-ea"/>
+              </a:rPr>
+              <a:t>- cria pacote .tar</a:t>
+            </a:r>
+            <a:endParaRPr lang="x-none" altLang="pt-BR" sz="2080">
+              <a:solidFill>
+                <a:schemeClr val="tx1"/>
+              </a:solidFill>
+              <a:latin typeface="+mn-ea"/>
+              <a:sym typeface="+mn-ea"/>
+            </a:endParaRPr>
+          </a:p>
+          <a:p>
+            <a:r>
+              <a:rPr lang="x-none" altLang="pt-BR" sz="2400">
+                <a:solidFill>
+                  <a:srgbClr val="00B0F0"/>
+                </a:solidFill>
+                <a:latin typeface="DejaVu Sans Mono" charset="0"/>
+                <a:sym typeface="+mn-ea"/>
+              </a:rPr>
+              <a:t>tar -xvf &lt;arquivo.tar&gt;</a:t>
+            </a:r>
+            <a:endParaRPr lang="x-none" altLang="pt-BR" sz="2400">
+              <a:solidFill>
+                <a:srgbClr val="00B0F0"/>
+              </a:solidFill>
+              <a:latin typeface="DejaVu Sans Mono" charset="0"/>
+              <a:sym typeface="+mn-ea"/>
+            </a:endParaRPr>
+          </a:p>
+          <a:p>
+            <a:pPr lvl="1"/>
+            <a:r>
+              <a:rPr lang="x-none" altLang="pt-BR" sz="2080">
+                <a:solidFill>
+                  <a:schemeClr val="tx1"/>
+                </a:solidFill>
+                <a:sym typeface="+mn-ea"/>
+              </a:rPr>
+              <a:t>- extrai pacote .tar</a:t>
+            </a:r>
+            <a:endParaRPr lang="x-none" altLang="pt-BR" sz="2080">
+              <a:solidFill>
+                <a:schemeClr val="tx1"/>
+              </a:solidFill>
+              <a:sym typeface="+mn-ea"/>
+            </a:endParaRPr>
+          </a:p>
+          <a:p>
+            <a:r>
+              <a:rPr lang="x-none" altLang="pt-BR" sz="2400">
+                <a:solidFill>
+                  <a:srgbClr val="00B0F0"/>
+                </a:solidFill>
+                <a:latin typeface="DejaVu Sans Mono" charset="0"/>
+                <a:sym typeface="+mn-ea"/>
+              </a:rPr>
+              <a:t>tar -czvf &lt;arquivo.tgz&gt; &lt;arqs e dirs&gt;</a:t>
+            </a:r>
+            <a:endParaRPr lang="x-none" altLang="pt-BR" sz="2400">
+              <a:solidFill>
+                <a:srgbClr val="00B0F0"/>
+              </a:solidFill>
+              <a:latin typeface="DejaVu Sans Mono" charset="0"/>
+              <a:sym typeface="+mn-ea"/>
+            </a:endParaRPr>
+          </a:p>
+          <a:p>
+            <a:pPr lvl="1"/>
+            <a:r>
+              <a:rPr lang="x-none" altLang="pt-BR" sz="2080">
+                <a:solidFill>
+                  <a:schemeClr val="tx1"/>
+                </a:solidFill>
+                <a:sym typeface="+mn-ea"/>
+              </a:rPr>
+              <a:t>- cria pacote .tar compactado com gzip</a:t>
+            </a:r>
+            <a:endParaRPr lang="x-none" altLang="pt-BR" sz="2080">
+              <a:solidFill>
+                <a:schemeClr val="tx1"/>
+              </a:solidFill>
+              <a:sym typeface="+mn-ea"/>
+            </a:endParaRPr>
+          </a:p>
+          <a:p>
+            <a:r>
+              <a:rPr lang="x-none" altLang="pt-BR" sz="2400">
+                <a:solidFill>
+                  <a:srgbClr val="00B0F0"/>
+                </a:solidFill>
+                <a:latin typeface="DejaVu Sans Mono" charset="0"/>
+                <a:sym typeface="+mn-ea"/>
+              </a:rPr>
+              <a:t>tar -xzvf &lt;arquivo.tgz&gt;</a:t>
+            </a:r>
+            <a:endParaRPr lang="x-none" altLang="pt-BR" sz="2400">
+              <a:solidFill>
+                <a:srgbClr val="00B0F0"/>
+              </a:solidFill>
+              <a:latin typeface="DejaVu Sans Mono" charset="0"/>
+              <a:sym typeface="+mn-ea"/>
+            </a:endParaRPr>
+          </a:p>
+          <a:p>
+            <a:pPr lvl="1"/>
+            <a:r>
+              <a:rPr lang="x-none" altLang="pt-BR" sz="2080">
+                <a:solidFill>
+                  <a:schemeClr val="tx1"/>
+                </a:solidFill>
+                <a:sym typeface="+mn-ea"/>
+              </a:rPr>
+              <a:t>- extrai pacote .tar compactado com gzip</a:t>
+            </a:r>
+            <a:endParaRPr lang="x-none" altLang="pt-BR" sz="2080">
+              <a:solidFill>
+                <a:schemeClr val="tx1"/>
+              </a:solidFill>
+              <a:sym typeface="+mn-ea"/>
+            </a:endParaRPr>
+          </a:p>
+          <a:p>
+            <a:r>
+              <a:rPr lang="x-none" altLang="pt-BR" sz="2400">
+                <a:solidFill>
+                  <a:srgbClr val="00B0F0"/>
+                </a:solidFill>
+                <a:latin typeface="DejaVu Sans Mono" charset="0"/>
+                <a:sym typeface="+mn-ea"/>
+              </a:rPr>
+              <a:t>tar -cjvf &lt;arquivo.tbz&gt; &lt;arqs e dirs&gt;</a:t>
+            </a:r>
+            <a:endParaRPr lang="x-none" altLang="pt-BR" sz="2400">
+              <a:solidFill>
+                <a:srgbClr val="00B0F0"/>
+              </a:solidFill>
+              <a:latin typeface="DejaVu Sans Mono" charset="0"/>
+              <a:sym typeface="+mn-ea"/>
+            </a:endParaRPr>
+          </a:p>
+          <a:p>
+            <a:pPr lvl="1"/>
+            <a:r>
+              <a:rPr lang="x-none" altLang="pt-BR" sz="2080">
+                <a:solidFill>
+                  <a:schemeClr val="tx1"/>
+                </a:solidFill>
+                <a:sym typeface="+mn-ea"/>
+              </a:rPr>
+              <a:t>- cria pacote .tar compactado com bzip2</a:t>
+            </a:r>
+            <a:endParaRPr lang="x-none" altLang="pt-BR" sz="2080">
+              <a:solidFill>
+                <a:schemeClr val="tx1"/>
+              </a:solidFill>
+              <a:sym typeface="+mn-ea"/>
+            </a:endParaRPr>
+          </a:p>
+          <a:p>
+            <a:r>
+              <a:rPr lang="x-none" altLang="pt-BR" sz="2400">
+                <a:solidFill>
+                  <a:srgbClr val="00B0F0"/>
+                </a:solidFill>
+                <a:latin typeface="DejaVu Sans Mono" charset="0"/>
+                <a:sym typeface="+mn-ea"/>
+              </a:rPr>
+              <a:t>tar -xjvf &lt;arquivo.tbz&gt;</a:t>
+            </a:r>
+            <a:endParaRPr lang="x-none" altLang="pt-BR" sz="2400">
+              <a:solidFill>
+                <a:srgbClr val="00B0F0"/>
+              </a:solidFill>
+              <a:latin typeface="DejaVu Sans Mono" charset="0"/>
+              <a:sym typeface="+mn-ea"/>
+            </a:endParaRPr>
+          </a:p>
+          <a:p>
+            <a:pPr lvl="1"/>
+            <a:r>
+              <a:rPr lang="x-none" altLang="pt-BR" sz="2080">
+                <a:solidFill>
+                  <a:schemeClr val="tx1"/>
+                </a:solidFill>
+                <a:sym typeface="+mn-ea"/>
+              </a:rPr>
+              <a:t>- extrai pacote .tar compactado com bzip2</a:t>
+            </a:r>
+            <a:endParaRPr lang="x-none" altLang="pt-BR" sz="2080">
+              <a:solidFill>
+                <a:schemeClr val="tx1"/>
+              </a:solidFill>
+              <a:sym typeface="+mn-ea"/>
+            </a:endParaRPr>
+          </a:p>
+        </p:txBody>
+      </p:sp>
+    </p:spTree>
+  </p:cSld>
+  <p:clrMapOvr>
+    <a:masterClrMapping/>
+  </p:clrMapOvr>
+</p:sld>
+</file>
+
 <file path=ppt/slides/slide2.xml><?xml version="1.0" encoding="utf-8"?>
 <p:sld xmlns:a="http://schemas.openxmlformats.org/drawingml/2006/main" xmlns:r="http://schemas.openxmlformats.org/officeDocument/2006/relationships" xmlns:p="http://schemas.openxmlformats.org/presentationml/2006/main">
   <p:cSld>
@@ -4983,7 +5437,9 @@
         </p:nvSpPr>
         <p:spPr/>
         <p:txBody>
-          <a:bodyPr/>
+          <a:bodyPr>
+            <a:normAutofit lnSpcReduction="10000"/>
+          </a:bodyPr>
           <a:p>
             <a:r>
               <a:rPr lang="x-none" altLang="pt-BR">
@@ -5022,13 +5478,15 @@
                 <a:solidFill>
                   <a:srgbClr val="00B0F0"/>
                 </a:solidFill>
-              </a:rPr>
-              <a:t>ls -a</a:t>
+                <a:latin typeface="DejaVu Sans Mono" charset="0"/>
+              </a:rPr>
+              <a:t>ls -1</a:t>
             </a:r>
             <a:endParaRPr lang="x-none" altLang="pt-BR">
               <a:solidFill>
                 <a:srgbClr val="00B0F0"/>
               </a:solidFill>
+              <a:latin typeface="DejaVu Sans Mono" charset="0"/>
             </a:endParaRPr>
           </a:p>
           <a:p>
@@ -5037,13 +5495,15 @@
                 <a:solidFill>
                   <a:srgbClr val="00B0F0"/>
                 </a:solidFill>
-              </a:rPr>
-              <a:t>ls -R</a:t>
+                <a:latin typeface="DejaVu Sans Mono" charset="0"/>
+              </a:rPr>
+              <a:t>ls -a</a:t>
             </a:r>
             <a:endParaRPr lang="x-none" altLang="pt-BR">
               <a:solidFill>
                 <a:srgbClr val="00B0F0"/>
               </a:solidFill>
+              <a:latin typeface="DejaVu Sans Mono" charset="0"/>
             </a:endParaRPr>
           </a:p>
           <a:p>
@@ -5052,13 +5512,15 @@
                 <a:solidFill>
                   <a:srgbClr val="00B0F0"/>
                 </a:solidFill>
-              </a:rPr>
-              <a:t>ls -l</a:t>
+                <a:latin typeface="DejaVu Sans Mono" charset="0"/>
+              </a:rPr>
+              <a:t>ls -R</a:t>
             </a:r>
             <a:endParaRPr lang="x-none" altLang="pt-BR">
               <a:solidFill>
                 <a:srgbClr val="00B0F0"/>
               </a:solidFill>
+              <a:latin typeface="DejaVu Sans Mono" charset="0"/>
             </a:endParaRPr>
           </a:p>
           <a:p>
@@ -5067,13 +5529,49 @@
                 <a:solidFill>
                   <a:srgbClr val="00B0F0"/>
                 </a:solidFill>
-              </a:rPr>
-              <a:t>ls *.txt</a:t>
+                <a:latin typeface="DejaVu Sans Mono" charset="0"/>
+              </a:rPr>
+              <a:t>ls -l</a:t>
             </a:r>
             <a:endParaRPr lang="x-none" altLang="pt-BR">
               <a:solidFill>
                 <a:srgbClr val="00B0F0"/>
               </a:solidFill>
+              <a:latin typeface="DejaVu Sans Mono" charset="0"/>
+            </a:endParaRPr>
+          </a:p>
+          <a:p>
+            <a:r>
+              <a:rPr lang="x-none" altLang="pt-BR">
+                <a:solidFill>
+                  <a:srgbClr val="00B0F0"/>
+                </a:solidFill>
+                <a:latin typeface="DejaVu Sans Mono" charset="0"/>
+              </a:rPr>
+              <a:t>ls *.txt</a:t>
+            </a:r>
+            <a:endParaRPr lang="x-none" altLang="pt-BR">
+              <a:solidFill>
+                <a:srgbClr val="00B0F0"/>
+              </a:solidFill>
+              <a:latin typeface="DejaVu Sans Mono" charset="0"/>
+            </a:endParaRPr>
+          </a:p>
+          <a:p>
+            <a:r>
+              <a:rPr lang="x-none" altLang="pt-BR">
+                <a:solidFill>
+                  <a:srgbClr val="00B0F0"/>
+                </a:solidFill>
+                <a:latin typeface="DejaVu Sans Mono" charset="0"/>
+              </a:rPr>
+              <a:t>ls b*</a:t>
+            </a:r>
+            <a:endParaRPr lang="x-none" altLang="pt-BR">
+              <a:solidFill>
+                <a:srgbClr val="00B0F0"/>
+              </a:solidFill>
+              <a:latin typeface="DejaVu Sans Mono" charset="0"/>
             </a:endParaRPr>
           </a:p>
         </p:txBody>
